--- a/CPP(2~12)/05_namespace.pptx
+++ b/CPP(2~12)/05_namespace.pptx
@@ -202,7 +202,7 @@
           <a:p>
             <a:fld id="{2229C11E-4EF0-425E-89BA-56B170901842}" type="datetimeFigureOut">
               <a:rPr lang="ko-KR" altLang="en-US" smtClean="0"/>
-              <a:t>2023-08-03</a:t>
+              <a:t>2024-01-25</a:t>
             </a:fld>
             <a:endParaRPr lang="ko-KR" altLang="en-US"/>
           </a:p>
@@ -719,7 +719,7 @@
           <a:p>
             <a:fld id="{9C6F2426-F011-4048-96E6-328581C59A1B}" type="datetimeFigureOut">
               <a:rPr lang="ko-KR" altLang="en-US" smtClean="0"/>
-              <a:t>2023-08-03</a:t>
+              <a:t>2024-01-25</a:t>
             </a:fld>
             <a:endParaRPr lang="ko-KR" altLang="en-US"/>
           </a:p>
@@ -917,7 +917,7 @@
           <a:p>
             <a:fld id="{9C6F2426-F011-4048-96E6-328581C59A1B}" type="datetimeFigureOut">
               <a:rPr lang="ko-KR" altLang="en-US" smtClean="0"/>
-              <a:t>2023-08-03</a:t>
+              <a:t>2024-01-25</a:t>
             </a:fld>
             <a:endParaRPr lang="ko-KR" altLang="en-US"/>
           </a:p>
@@ -1125,7 +1125,7 @@
           <a:p>
             <a:fld id="{9C6F2426-F011-4048-96E6-328581C59A1B}" type="datetimeFigureOut">
               <a:rPr lang="ko-KR" altLang="en-US" smtClean="0"/>
-              <a:t>2023-08-03</a:t>
+              <a:t>2024-01-25</a:t>
             </a:fld>
             <a:endParaRPr lang="ko-KR" altLang="en-US"/>
           </a:p>
@@ -1323,7 +1323,7 @@
           <a:p>
             <a:fld id="{9C6F2426-F011-4048-96E6-328581C59A1B}" type="datetimeFigureOut">
               <a:rPr lang="ko-KR" altLang="en-US" smtClean="0"/>
-              <a:t>2023-08-03</a:t>
+              <a:t>2024-01-25</a:t>
             </a:fld>
             <a:endParaRPr lang="ko-KR" altLang="en-US"/>
           </a:p>
@@ -1598,7 +1598,7 @@
           <a:p>
             <a:fld id="{9C6F2426-F011-4048-96E6-328581C59A1B}" type="datetimeFigureOut">
               <a:rPr lang="ko-KR" altLang="en-US" smtClean="0"/>
-              <a:t>2023-08-03</a:t>
+              <a:t>2024-01-25</a:t>
             </a:fld>
             <a:endParaRPr lang="ko-KR" altLang="en-US"/>
           </a:p>
@@ -1863,7 +1863,7 @@
           <a:p>
             <a:fld id="{9C6F2426-F011-4048-96E6-328581C59A1B}" type="datetimeFigureOut">
               <a:rPr lang="ko-KR" altLang="en-US" smtClean="0"/>
-              <a:t>2023-08-03</a:t>
+              <a:t>2024-01-25</a:t>
             </a:fld>
             <a:endParaRPr lang="ko-KR" altLang="en-US"/>
           </a:p>
@@ -2275,7 +2275,7 @@
           <a:p>
             <a:fld id="{9C6F2426-F011-4048-96E6-328581C59A1B}" type="datetimeFigureOut">
               <a:rPr lang="ko-KR" altLang="en-US" smtClean="0"/>
-              <a:t>2023-08-03</a:t>
+              <a:t>2024-01-25</a:t>
             </a:fld>
             <a:endParaRPr lang="ko-KR" altLang="en-US"/>
           </a:p>
@@ -2416,7 +2416,7 @@
           <a:p>
             <a:fld id="{9C6F2426-F011-4048-96E6-328581C59A1B}" type="datetimeFigureOut">
               <a:rPr lang="ko-KR" altLang="en-US" smtClean="0"/>
-              <a:t>2023-08-03</a:t>
+              <a:t>2024-01-25</a:t>
             </a:fld>
             <a:endParaRPr lang="ko-KR" altLang="en-US"/>
           </a:p>
@@ -2529,7 +2529,7 @@
           <a:p>
             <a:fld id="{9C6F2426-F011-4048-96E6-328581C59A1B}" type="datetimeFigureOut">
               <a:rPr lang="ko-KR" altLang="en-US" smtClean="0"/>
-              <a:t>2023-08-03</a:t>
+              <a:t>2024-01-25</a:t>
             </a:fld>
             <a:endParaRPr lang="ko-KR" altLang="en-US"/>
           </a:p>
@@ -2840,7 +2840,7 @@
           <a:p>
             <a:fld id="{9C6F2426-F011-4048-96E6-328581C59A1B}" type="datetimeFigureOut">
               <a:rPr lang="ko-KR" altLang="en-US" smtClean="0"/>
-              <a:t>2023-08-03</a:t>
+              <a:t>2024-01-25</a:t>
             </a:fld>
             <a:endParaRPr lang="ko-KR" altLang="en-US"/>
           </a:p>
@@ -3128,7 +3128,7 @@
           <a:p>
             <a:fld id="{9C6F2426-F011-4048-96E6-328581C59A1B}" type="datetimeFigureOut">
               <a:rPr lang="ko-KR" altLang="en-US" smtClean="0"/>
-              <a:t>2023-08-03</a:t>
+              <a:t>2024-01-25</a:t>
             </a:fld>
             <a:endParaRPr lang="ko-KR" altLang="en-US"/>
           </a:p>
@@ -3369,7 +3369,7 @@
           <a:p>
             <a:fld id="{9C6F2426-F011-4048-96E6-328581C59A1B}" type="datetimeFigureOut">
               <a:rPr lang="ko-KR" altLang="en-US" smtClean="0"/>
-              <a:t>2023-08-03</a:t>
+              <a:t>2024-01-25</a:t>
             </a:fld>
             <a:endParaRPr lang="ko-KR" altLang="en-US"/>
           </a:p>
@@ -3823,17 +3823,14 @@
               <a:rPr lang="en-US" altLang="ko-KR" b="1" dirty="0">
                 <a:latin typeface="Arial Rounded MT Bold" panose="020F0704030504030204" pitchFamily="34" charset="0"/>
               </a:rPr>
-              <a:t>3</a:t>
-            </a:r>
-            <a:r>
-              <a:rPr lang="ko-KR" altLang="en-US" b="1">
+              <a:t>4</a:t>
+            </a:r>
+            <a:r>
+              <a:rPr lang="ko-KR" altLang="en-US" b="1" dirty="0">
                 <a:latin typeface="Arial Rounded MT Bold" panose="020F0704030504030204" pitchFamily="34" charset="0"/>
               </a:rPr>
               <a:t>기</a:t>
             </a:r>
-            <a:endParaRPr lang="ko-KR" altLang="en-US" b="1" dirty="0">
-              <a:latin typeface="Arial Rounded MT Bold" panose="020F0704030504030204" pitchFamily="34" charset="0"/>
-            </a:endParaRPr>
           </a:p>
         </p:txBody>
       </p:sp>
